--- a/ASP.NET CORE - iTechArt 2018.pptx
+++ b/ASP.NET CORE - iTechArt 2018.pptx
@@ -8,17 +8,21 @@
     <p:sldMasterId id="2147483702" r:id="rId4"/>
   </p:sldMasterIdLst>
   <p:notesMasterIdLst>
-    <p:notesMasterId r:id="rId10"/>
+    <p:notesMasterId r:id="rId14"/>
   </p:notesMasterIdLst>
   <p:handoutMasterIdLst>
-    <p:handoutMasterId r:id="rId11"/>
+    <p:handoutMasterId r:id="rId15"/>
   </p:handoutMasterIdLst>
   <p:sldIdLst>
     <p:sldId id="334" r:id="rId5"/>
     <p:sldId id="338" r:id="rId6"/>
     <p:sldId id="286" r:id="rId7"/>
-    <p:sldId id="520" r:id="rId8"/>
-    <p:sldId id="521" r:id="rId9"/>
+    <p:sldId id="522" r:id="rId8"/>
+    <p:sldId id="525" r:id="rId9"/>
+    <p:sldId id="524" r:id="rId10"/>
+    <p:sldId id="523" r:id="rId11"/>
+    <p:sldId id="520" r:id="rId12"/>
+    <p:sldId id="521" r:id="rId13"/>
   </p:sldIdLst>
   <p:sldSz cx="9144000" cy="6858000" type="screen4x3"/>
   <p:notesSz cx="6858000" cy="9144000"/>
@@ -16167,6 +16171,395 @@
       </p:grpSpPr>
       <p:sp>
         <p:nvSpPr>
+          <p:cNvPr id="2" name="Text Placeholder 1"/>
+          <p:cNvSpPr>
+            <a:spLocks noGrp="1"/>
+          </p:cNvSpPr>
+          <p:nvPr>
+            <p:ph type="body" sz="quarter" idx="11"/>
+          </p:nvPr>
+        </p:nvSpPr>
+        <p:spPr>
+          <a:xfrm>
+            <a:off x="539552" y="3429000"/>
+            <a:ext cx="4680520" cy="2160240"/>
+          </a:xfrm>
+        </p:spPr>
+        <p:txBody>
+          <a:bodyPr/>
+          <a:lstStyle/>
+          <a:p>
+            <a:r>
+              <a:rPr lang="en-GB" dirty="0" smtClean="0"/>
+              <a:t>ASP.NET CORE</a:t>
+            </a:r>
+            <a:endParaRPr lang="en-US" dirty="0"/>
+          </a:p>
+        </p:txBody>
+      </p:sp>
+      <p:sp>
+        <p:nvSpPr>
+          <p:cNvPr id="3" name="Text Placeholder 2"/>
+          <p:cNvSpPr>
+            <a:spLocks noGrp="1"/>
+          </p:cNvSpPr>
+          <p:nvPr>
+            <p:ph type="body" sz="quarter" idx="12"/>
+          </p:nvPr>
+        </p:nvSpPr>
+        <p:spPr/>
+        <p:txBody>
+          <a:bodyPr/>
+          <a:lstStyle/>
+          <a:p>
+            <a:r>
+              <a:rPr lang="en-GB" dirty="0" smtClean="0"/>
+              <a:t>Deep Dive</a:t>
+            </a:r>
+            <a:endParaRPr lang="en-US" dirty="0"/>
+          </a:p>
+        </p:txBody>
+      </p:sp>
+    </p:spTree>
+    <p:extLst>
+      <p:ext uri="{BB962C8B-B14F-4D97-AF65-F5344CB8AC3E}">
+        <p14:creationId xmlns:p14="http://schemas.microsoft.com/office/powerpoint/2010/main" val="188522175"/>
+      </p:ext>
+    </p:extLst>
+  </p:cSld>
+  <p:clrMapOvr>
+    <a:masterClrMapping/>
+  </p:clrMapOvr>
+</p:sld>
+</file>
+
+<file path=ppt/slides/slide5.xml><?xml version="1.0" encoding="utf-8"?>
+<p:sld xmlns:a="http://schemas.openxmlformats.org/drawingml/2006/main" xmlns:r="http://schemas.openxmlformats.org/officeDocument/2006/relationships" xmlns:p="http://schemas.openxmlformats.org/presentationml/2006/main">
+  <p:cSld>
+    <p:spTree>
+      <p:nvGrpSpPr>
+        <p:cNvPr id="1" name=""/>
+        <p:cNvGrpSpPr/>
+        <p:nvPr/>
+      </p:nvGrpSpPr>
+      <p:grpSpPr>
+        <a:xfrm>
+          <a:off x="0" y="0"/>
+          <a:ext cx="0" cy="0"/>
+          <a:chOff x="0" y="0"/>
+          <a:chExt cx="0" cy="0"/>
+        </a:xfrm>
+      </p:grpSpPr>
+      <p:sp>
+        <p:nvSpPr>
+          <p:cNvPr id="2" name="Text Placeholder 1"/>
+          <p:cNvSpPr>
+            <a:spLocks noGrp="1"/>
+          </p:cNvSpPr>
+          <p:nvPr>
+            <p:ph type="body" sz="quarter" idx="13"/>
+          </p:nvPr>
+        </p:nvSpPr>
+        <p:spPr/>
+        <p:txBody>
+          <a:bodyPr/>
+          <a:lstStyle/>
+          <a:p>
+            <a:endParaRPr lang="en-US" dirty="0"/>
+          </a:p>
+        </p:txBody>
+      </p:sp>
+      <p:sp>
+        <p:nvSpPr>
+          <p:cNvPr id="3" name="Text Placeholder 2"/>
+          <p:cNvSpPr>
+            <a:spLocks noGrp="1"/>
+          </p:cNvSpPr>
+          <p:nvPr>
+            <p:ph type="body" sz="quarter" idx="11"/>
+          </p:nvPr>
+        </p:nvSpPr>
+        <p:spPr/>
+        <p:txBody>
+          <a:bodyPr/>
+          <a:lstStyle/>
+          <a:p>
+            <a:pPr algn="l"/>
+            <a:r>
+              <a:rPr lang="en-US" dirty="0"/>
+              <a:t>ASP.NET Core is a cross-platform, high-performance, open-source framework for building modern, cloud-based, Internet-connected applications. </a:t>
+            </a:r>
+            <a:endParaRPr lang="en-US" dirty="0"/>
+          </a:p>
+        </p:txBody>
+      </p:sp>
+      <p:sp>
+        <p:nvSpPr>
+          <p:cNvPr id="4" name="Title 3"/>
+          <p:cNvSpPr>
+            <a:spLocks noGrp="1"/>
+          </p:cNvSpPr>
+          <p:nvPr>
+            <p:ph type="title"/>
+          </p:nvPr>
+        </p:nvSpPr>
+        <p:spPr/>
+        <p:txBody>
+          <a:bodyPr/>
+          <a:lstStyle/>
+          <a:p>
+            <a:endParaRPr lang="en-US"/>
+          </a:p>
+        </p:txBody>
+      </p:sp>
+      <p:sp>
+        <p:nvSpPr>
+          <p:cNvPr id="5" name="Footer Placeholder 4"/>
+          <p:cNvSpPr>
+            <a:spLocks noGrp="1"/>
+          </p:cNvSpPr>
+          <p:nvPr>
+            <p:ph type="ftr" sz="quarter" idx="3"/>
+          </p:nvPr>
+        </p:nvSpPr>
+        <p:spPr/>
+        <p:txBody>
+          <a:bodyPr/>
+          <a:lstStyle/>
+          <a:p>
+            <a:r>
+              <a:rPr lang="en-US" smtClean="0"/>
+              <a:t>PRESENTATION NAME</a:t>
+            </a:r>
+            <a:endParaRPr lang="en-US" dirty="0"/>
+          </a:p>
+        </p:txBody>
+      </p:sp>
+    </p:spTree>
+    <p:extLst>
+      <p:ext uri="{BB962C8B-B14F-4D97-AF65-F5344CB8AC3E}">
+        <p14:creationId xmlns:p14="http://schemas.microsoft.com/office/powerpoint/2010/main" val="2205845075"/>
+      </p:ext>
+    </p:extLst>
+  </p:cSld>
+  <p:clrMapOvr>
+    <a:masterClrMapping/>
+  </p:clrMapOvr>
+</p:sld>
+</file>
+
+<file path=ppt/slides/slide6.xml><?xml version="1.0" encoding="utf-8"?>
+<p:sld xmlns:a="http://schemas.openxmlformats.org/drawingml/2006/main" xmlns:r="http://schemas.openxmlformats.org/officeDocument/2006/relationships" xmlns:p="http://schemas.openxmlformats.org/presentationml/2006/main">
+  <p:cSld>
+    <p:spTree>
+      <p:nvGrpSpPr>
+        <p:cNvPr id="1" name=""/>
+        <p:cNvGrpSpPr/>
+        <p:nvPr/>
+      </p:nvGrpSpPr>
+      <p:grpSpPr>
+        <a:xfrm>
+          <a:off x="0" y="0"/>
+          <a:ext cx="0" cy="0"/>
+          <a:chOff x="0" y="0"/>
+          <a:chExt cx="0" cy="0"/>
+        </a:xfrm>
+      </p:grpSpPr>
+      <p:sp>
+        <p:nvSpPr>
+          <p:cNvPr id="2" name="Title 1"/>
+          <p:cNvSpPr>
+            <a:spLocks noGrp="1"/>
+          </p:cNvSpPr>
+          <p:nvPr>
+            <p:ph type="title"/>
+          </p:nvPr>
+        </p:nvSpPr>
+        <p:spPr/>
+        <p:txBody>
+          <a:bodyPr/>
+          <a:lstStyle/>
+          <a:p>
+            <a:r>
+              <a:rPr lang="en-GB" dirty="0" smtClean="0"/>
+              <a:t>ASP.NET CORE</a:t>
+            </a:r>
+            <a:endParaRPr lang="en-US" dirty="0"/>
+          </a:p>
+        </p:txBody>
+      </p:sp>
+      <p:sp>
+        <p:nvSpPr>
+          <p:cNvPr id="3" name="Footer Placeholder 2"/>
+          <p:cNvSpPr>
+            <a:spLocks noGrp="1"/>
+          </p:cNvSpPr>
+          <p:nvPr>
+            <p:ph type="ftr" sz="quarter" idx="3"/>
+          </p:nvPr>
+        </p:nvSpPr>
+        <p:spPr/>
+        <p:txBody>
+          <a:bodyPr/>
+          <a:lstStyle/>
+          <a:p>
+            <a:r>
+              <a:rPr lang="en-US" smtClean="0"/>
+              <a:t>PRESENTATION NAME</a:t>
+            </a:r>
+            <a:endParaRPr lang="en-US" dirty="0"/>
+          </a:p>
+        </p:txBody>
+      </p:sp>
+      <p:sp>
+        <p:nvSpPr>
+          <p:cNvPr id="4" name="Content Placeholder 3"/>
+          <p:cNvSpPr>
+            <a:spLocks noGrp="1"/>
+          </p:cNvSpPr>
+          <p:nvPr>
+            <p:ph sz="quarter" idx="12"/>
+          </p:nvPr>
+        </p:nvSpPr>
+        <p:spPr/>
+        <p:txBody>
+          <a:bodyPr/>
+          <a:lstStyle/>
+          <a:p>
+            <a:pPr marL="0" indent="0">
+              <a:buNone/>
+            </a:pPr>
+            <a:endParaRPr lang="en-US" sz="2800" dirty="0"/>
+          </a:p>
+        </p:txBody>
+      </p:sp>
+    </p:spTree>
+    <p:extLst>
+      <p:ext uri="{BB962C8B-B14F-4D97-AF65-F5344CB8AC3E}">
+        <p14:creationId xmlns:p14="http://schemas.microsoft.com/office/powerpoint/2010/main" val="1492186892"/>
+      </p:ext>
+    </p:extLst>
+  </p:cSld>
+  <p:clrMapOvr>
+    <a:masterClrMapping/>
+  </p:clrMapOvr>
+</p:sld>
+</file>
+
+<file path=ppt/slides/slide7.xml><?xml version="1.0" encoding="utf-8"?>
+<p:sld xmlns:a="http://schemas.openxmlformats.org/drawingml/2006/main" xmlns:r="http://schemas.openxmlformats.org/officeDocument/2006/relationships" xmlns:p="http://schemas.openxmlformats.org/presentationml/2006/main">
+  <p:cSld>
+    <p:spTree>
+      <p:nvGrpSpPr>
+        <p:cNvPr id="1" name=""/>
+        <p:cNvGrpSpPr/>
+        <p:nvPr/>
+      </p:nvGrpSpPr>
+      <p:grpSpPr>
+        <a:xfrm>
+          <a:off x="0" y="0"/>
+          <a:ext cx="0" cy="0"/>
+          <a:chOff x="0" y="0"/>
+          <a:chExt cx="0" cy="0"/>
+        </a:xfrm>
+      </p:grpSpPr>
+      <p:sp>
+        <p:nvSpPr>
+          <p:cNvPr id="2" name="Title 1"/>
+          <p:cNvSpPr>
+            <a:spLocks noGrp="1"/>
+          </p:cNvSpPr>
+          <p:nvPr>
+            <p:ph type="title"/>
+          </p:nvPr>
+        </p:nvSpPr>
+        <p:spPr/>
+        <p:txBody>
+          <a:bodyPr/>
+          <a:lstStyle/>
+          <a:p>
+            <a:r>
+              <a:rPr lang="en-GB" dirty="0" smtClean="0"/>
+              <a:t>REASONS</a:t>
+            </a:r>
+            <a:endParaRPr lang="en-US" dirty="0"/>
+          </a:p>
+        </p:txBody>
+      </p:sp>
+      <p:sp>
+        <p:nvSpPr>
+          <p:cNvPr id="3" name="Footer Placeholder 2"/>
+          <p:cNvSpPr>
+            <a:spLocks noGrp="1"/>
+          </p:cNvSpPr>
+          <p:nvPr>
+            <p:ph type="ftr" sz="quarter" idx="3"/>
+          </p:nvPr>
+        </p:nvSpPr>
+        <p:spPr/>
+        <p:txBody>
+          <a:bodyPr/>
+          <a:lstStyle/>
+          <a:p>
+            <a:r>
+              <a:rPr lang="en-US" smtClean="0"/>
+              <a:t>PRESENTATION NAME</a:t>
+            </a:r>
+            <a:endParaRPr lang="en-US" dirty="0"/>
+          </a:p>
+        </p:txBody>
+      </p:sp>
+      <p:sp>
+        <p:nvSpPr>
+          <p:cNvPr id="4" name="Content Placeholder 3"/>
+          <p:cNvSpPr>
+            <a:spLocks noGrp="1"/>
+          </p:cNvSpPr>
+          <p:nvPr>
+            <p:ph sz="quarter" idx="12"/>
+          </p:nvPr>
+        </p:nvSpPr>
+        <p:spPr/>
+        <p:txBody>
+          <a:bodyPr/>
+          <a:lstStyle/>
+          <a:p>
+            <a:endParaRPr lang="en-US" dirty="0"/>
+          </a:p>
+        </p:txBody>
+      </p:sp>
+    </p:spTree>
+    <p:extLst>
+      <p:ext uri="{BB962C8B-B14F-4D97-AF65-F5344CB8AC3E}">
+        <p14:creationId xmlns:p14="http://schemas.microsoft.com/office/powerpoint/2010/main" val="1516852069"/>
+      </p:ext>
+    </p:extLst>
+  </p:cSld>
+  <p:clrMapOvr>
+    <a:masterClrMapping/>
+  </p:clrMapOvr>
+</p:sld>
+</file>
+
+<file path=ppt/slides/slide8.xml><?xml version="1.0" encoding="utf-8"?>
+<p:sld xmlns:a="http://schemas.openxmlformats.org/drawingml/2006/main" xmlns:r="http://schemas.openxmlformats.org/officeDocument/2006/relationships" xmlns:p="http://schemas.openxmlformats.org/presentationml/2006/main">
+  <p:cSld>
+    <p:spTree>
+      <p:nvGrpSpPr>
+        <p:cNvPr id="1" name=""/>
+        <p:cNvGrpSpPr/>
+        <p:nvPr/>
+      </p:nvGrpSpPr>
+      <p:grpSpPr>
+        <a:xfrm>
+          <a:off x="0" y="0"/>
+          <a:ext cx="0" cy="0"/>
+          <a:chOff x="0" y="0"/>
+          <a:chExt cx="0" cy="0"/>
+        </a:xfrm>
+      </p:grpSpPr>
+      <p:sp>
+        <p:nvSpPr>
           <p:cNvPr id="2" name="Title 1"/>
           <p:cNvSpPr>
             <a:spLocks noGrp="1"/>
@@ -16308,7 +16701,7 @@
 </p:sld>
 </file>
 
-<file path=ppt/slides/slide5.xml><?xml version="1.0" encoding="utf-8"?>
+<file path=ppt/slides/slide9.xml><?xml version="1.0" encoding="utf-8"?>
 <p:sld xmlns:a="http://schemas.openxmlformats.org/drawingml/2006/main" xmlns:r="http://schemas.openxmlformats.org/officeDocument/2006/relationships" xmlns:p="http://schemas.openxmlformats.org/presentationml/2006/main">
   <p:cSld>
     <p:spTree>
